--- a/TeamDocs/WordDocs/Presentation/JelBlob_Presentation_KM.pptx
+++ b/TeamDocs/WordDocs/Presentation/JelBlob_Presentation_KM.pptx
@@ -15,8 +15,8 @@
     <p:sldId id="260" r:id="rId6"/>
     <p:sldId id="261" r:id="rId7"/>
     <p:sldId id="263" r:id="rId8"/>
-    <p:sldId id="262" r:id="rId9"/>
-    <p:sldId id="264" r:id="rId10"/>
+    <p:sldId id="264" r:id="rId9"/>
+    <p:sldId id="262" r:id="rId10"/>
     <p:sldId id="265" r:id="rId11"/>
     <p:sldId id="270" r:id="rId12"/>
     <p:sldId id="266" r:id="rId13"/>
@@ -215,7 +215,7 @@
           <a:p>
             <a:fld id="{9143A75C-4E93-4E57-8FE0-0B5536F2214D}" type="datetimeFigureOut">
               <a:rPr lang="en-US" smtClean="0"/>
-              <a:t>11/10/2017</a:t>
+              <a:t>11/20/2017</a:t>
             </a:fld>
             <a:endParaRPr lang="en-US"/>
           </a:p>
@@ -1670,27 +1670,19 @@
           <a:p>
             <a:r>
               <a:rPr lang="en-GB" dirty="0"/>
-              <a:t>[Display images of the various block, enemy and player images]</a:t>
+              <a:t>[Discuss audio – how it was created (e.g. via Audacity) – multiple sounds per level? </a:t>
             </a:r>
           </a:p>
           <a:p>
             <a:r>
               <a:rPr lang="en-GB" dirty="0"/>
-              <a:t>[Talk about the style of artwork; why we choose to make 2D sprites, how they were made and what they were influenced by]</a:t>
+              <a:t>[Samples of the sounds]</a:t>
             </a:r>
           </a:p>
           <a:p>
             <a:r>
               <a:rPr lang="en-GB" dirty="0"/>
-              <a:t>[Discuss software used – </a:t>
-            </a:r>
-            <a:r>
-              <a:rPr lang="en-GB" dirty="0" err="1"/>
-              <a:t>aseprite</a:t>
-            </a:r>
-            <a:r>
-              <a:rPr lang="en-GB" dirty="0"/>
-              <a:t> – visuals of images on the slide]</a:t>
+              <a:t>[Discuss ease of use of the software? – how easy to integrate with Unity?]</a:t>
             </a:r>
           </a:p>
           <a:p>
@@ -1724,7 +1716,7 @@
     </p:spTree>
     <p:extLst>
       <p:ext uri="{BB962C8B-B14F-4D97-AF65-F5344CB8AC3E}">
-        <p14:creationId xmlns:p14="http://schemas.microsoft.com/office/powerpoint/2010/main" val="1308882139"/>
+        <p14:creationId xmlns:p14="http://schemas.microsoft.com/office/powerpoint/2010/main" val="2455568532"/>
       </p:ext>
     </p:extLst>
   </p:cSld>
@@ -1780,19 +1772,27 @@
           <a:p>
             <a:r>
               <a:rPr lang="en-GB" dirty="0"/>
-              <a:t>[Discuss audio – how it was created (e.g. via Audacity) – multiple sounds per level? </a:t>
+              <a:t>[Display images of the various block, enemy and player images]</a:t>
             </a:r>
           </a:p>
           <a:p>
             <a:r>
               <a:rPr lang="en-GB" dirty="0"/>
-              <a:t>[Samples of the sounds]</a:t>
+              <a:t>[Talk about the style of artwork; why we choose to make 2D sprites, how they were made and what they were influenced by]</a:t>
             </a:r>
           </a:p>
           <a:p>
             <a:r>
               <a:rPr lang="en-GB" dirty="0"/>
-              <a:t>[Discuss ease of use of the software? – how easy to integrate with Unity?]</a:t>
+              <a:t>[Discuss software used – </a:t>
+            </a:r>
+            <a:r>
+              <a:rPr lang="en-GB" dirty="0" err="1"/>
+              <a:t>aseprite</a:t>
+            </a:r>
+            <a:r>
+              <a:rPr lang="en-GB" dirty="0"/>
+              <a:t> – visuals of images on the slide]</a:t>
             </a:r>
           </a:p>
           <a:p>
@@ -1826,7 +1826,7 @@
     </p:spTree>
     <p:extLst>
       <p:ext uri="{BB962C8B-B14F-4D97-AF65-F5344CB8AC3E}">
-        <p14:creationId xmlns:p14="http://schemas.microsoft.com/office/powerpoint/2010/main" val="2455568532"/>
+        <p14:creationId xmlns:p14="http://schemas.microsoft.com/office/powerpoint/2010/main" val="1308882139"/>
       </p:ext>
     </p:extLst>
   </p:cSld>
@@ -2114,7 +2114,7 @@
           <a:p>
             <a:fld id="{349AB840-55CF-4B95-A905-70A2B172BCA3}" type="datetimeFigureOut">
               <a:rPr lang="en-GB" smtClean="0"/>
-              <a:t>10/11/2017</a:t>
+              <a:t>20/11/2017</a:t>
             </a:fld>
             <a:endParaRPr lang="en-GB"/>
           </a:p>
@@ -2426,7 +2426,7 @@
           <a:p>
             <a:fld id="{349AB840-55CF-4B95-A905-70A2B172BCA3}" type="datetimeFigureOut">
               <a:rPr lang="en-GB" smtClean="0"/>
-              <a:t>10/11/2017</a:t>
+              <a:t>20/11/2017</a:t>
             </a:fld>
             <a:endParaRPr lang="en-GB"/>
           </a:p>
@@ -2648,7 +2648,7 @@
           <a:p>
             <a:fld id="{349AB840-55CF-4B95-A905-70A2B172BCA3}" type="datetimeFigureOut">
               <a:rPr lang="en-GB" smtClean="0"/>
-              <a:t>10/11/2017</a:t>
+              <a:t>20/11/2017</a:t>
             </a:fld>
             <a:endParaRPr lang="en-GB"/>
           </a:p>
@@ -2939,7 +2939,7 @@
           <a:p>
             <a:fld id="{349AB840-55CF-4B95-A905-70A2B172BCA3}" type="datetimeFigureOut">
               <a:rPr lang="en-GB" smtClean="0"/>
-              <a:t>10/11/2017</a:t>
+              <a:t>20/11/2017</a:t>
             </a:fld>
             <a:endParaRPr lang="en-GB"/>
           </a:p>
@@ -3393,7 +3393,7 @@
           <a:p>
             <a:fld id="{349AB840-55CF-4B95-A905-70A2B172BCA3}" type="datetimeFigureOut">
               <a:rPr lang="en-GB" smtClean="0"/>
-              <a:t>10/11/2017</a:t>
+              <a:t>20/11/2017</a:t>
             </a:fld>
             <a:endParaRPr lang="en-GB"/>
           </a:p>
@@ -3969,7 +3969,7 @@
           <a:p>
             <a:fld id="{349AB840-55CF-4B95-A905-70A2B172BCA3}" type="datetimeFigureOut">
               <a:rPr lang="en-GB" smtClean="0"/>
-              <a:t>10/11/2017</a:t>
+              <a:t>20/11/2017</a:t>
             </a:fld>
             <a:endParaRPr lang="en-GB"/>
           </a:p>
@@ -4821,7 +4821,7 @@
           <a:p>
             <a:fld id="{349AB840-55CF-4B95-A905-70A2B172BCA3}" type="datetimeFigureOut">
               <a:rPr lang="en-GB" smtClean="0"/>
-              <a:t>10/11/2017</a:t>
+              <a:t>20/11/2017</a:t>
             </a:fld>
             <a:endParaRPr lang="en-GB"/>
           </a:p>
@@ -5026,7 +5026,7 @@
           <a:p>
             <a:fld id="{349AB840-55CF-4B95-A905-70A2B172BCA3}" type="datetimeFigureOut">
               <a:rPr lang="en-GB" smtClean="0"/>
-              <a:t>10/11/2017</a:t>
+              <a:t>20/11/2017</a:t>
             </a:fld>
             <a:endParaRPr lang="en-GB"/>
           </a:p>
@@ -5240,7 +5240,7 @@
           <a:p>
             <a:fld id="{349AB840-55CF-4B95-A905-70A2B172BCA3}" type="datetimeFigureOut">
               <a:rPr lang="en-GB" smtClean="0"/>
-              <a:t>10/11/2017</a:t>
+              <a:t>20/11/2017</a:t>
             </a:fld>
             <a:endParaRPr lang="en-GB"/>
           </a:p>
@@ -5445,7 +5445,7 @@
           <a:p>
             <a:fld id="{349AB840-55CF-4B95-A905-70A2B172BCA3}" type="datetimeFigureOut">
               <a:rPr lang="en-GB" smtClean="0"/>
-              <a:t>10/11/2017</a:t>
+              <a:t>20/11/2017</a:t>
             </a:fld>
             <a:endParaRPr lang="en-GB"/>
           </a:p>
@@ -5725,7 +5725,7 @@
           <a:p>
             <a:fld id="{349AB840-55CF-4B95-A905-70A2B172BCA3}" type="datetimeFigureOut">
               <a:rPr lang="en-GB" smtClean="0"/>
-              <a:t>10/11/2017</a:t>
+              <a:t>20/11/2017</a:t>
             </a:fld>
             <a:endParaRPr lang="en-GB"/>
           </a:p>
@@ -5992,7 +5992,7 @@
           <a:p>
             <a:fld id="{349AB840-55CF-4B95-A905-70A2B172BCA3}" type="datetimeFigureOut">
               <a:rPr lang="en-GB" smtClean="0"/>
-              <a:t>10/11/2017</a:t>
+              <a:t>20/11/2017</a:t>
             </a:fld>
             <a:endParaRPr lang="en-GB"/>
           </a:p>
@@ -6407,7 +6407,7 @@
           <a:p>
             <a:fld id="{349AB840-55CF-4B95-A905-70A2B172BCA3}" type="datetimeFigureOut">
               <a:rPr lang="en-GB" smtClean="0"/>
-              <a:t>10/11/2017</a:t>
+              <a:t>20/11/2017</a:t>
             </a:fld>
             <a:endParaRPr lang="en-GB"/>
           </a:p>
@@ -6555,7 +6555,7 @@
           <a:p>
             <a:fld id="{349AB840-55CF-4B95-A905-70A2B172BCA3}" type="datetimeFigureOut">
               <a:rPr lang="en-GB" smtClean="0"/>
-              <a:t>10/11/2017</a:t>
+              <a:t>20/11/2017</a:t>
             </a:fld>
             <a:endParaRPr lang="en-GB"/>
           </a:p>
@@ -6680,7 +6680,7 @@
           <a:p>
             <a:fld id="{349AB840-55CF-4B95-A905-70A2B172BCA3}" type="datetimeFigureOut">
               <a:rPr lang="en-GB" smtClean="0"/>
-              <a:t>10/11/2017</a:t>
+              <a:t>20/11/2017</a:t>
             </a:fld>
             <a:endParaRPr lang="en-GB"/>
           </a:p>
@@ -6959,7 +6959,7 @@
           <a:p>
             <a:fld id="{349AB840-55CF-4B95-A905-70A2B172BCA3}" type="datetimeFigureOut">
               <a:rPr lang="en-GB" smtClean="0"/>
-              <a:t>10/11/2017</a:t>
+              <a:t>20/11/2017</a:t>
             </a:fld>
             <a:endParaRPr lang="en-GB"/>
           </a:p>
@@ -7271,7 +7271,7 @@
           <a:p>
             <a:fld id="{349AB840-55CF-4B95-A905-70A2B172BCA3}" type="datetimeFigureOut">
               <a:rPr lang="en-GB" smtClean="0"/>
-              <a:t>10/11/2017</a:t>
+              <a:t>20/11/2017</a:t>
             </a:fld>
             <a:endParaRPr lang="en-GB"/>
           </a:p>
@@ -7524,7 +7524,7 @@
           <a:p>
             <a:fld id="{349AB840-55CF-4B95-A905-70A2B172BCA3}" type="datetimeFigureOut">
               <a:rPr lang="en-GB" smtClean="0"/>
-              <a:t>10/11/2017</a:t>
+              <a:t>20/11/2017</a:t>
             </a:fld>
             <a:endParaRPr lang="en-GB"/>
           </a:p>
@@ -16525,13 +16525,13 @@
   <p:clrMapOvr>
     <a:masterClrMapping/>
   </p:clrMapOvr>
-  <mc:AlternateContent xmlns:mc="http://schemas.openxmlformats.org/markup-compatibility/2006">
-    <mc:Choice xmlns:p14="http://schemas.microsoft.com/office/powerpoint/2010/main" Requires="p14">
+  <mc:AlternateContent xmlns:mc="http://schemas.openxmlformats.org/markup-compatibility/2006" xmlns:p14="http://schemas.microsoft.com/office/powerpoint/2010/main">
+    <mc:Choice Requires="p14">
       <p:transition spd="slow" p14:dur="1500">
         <p:split orient="vert"/>
       </p:transition>
     </mc:Choice>
-    <mc:Fallback>
+    <mc:Fallback xmlns="">
       <p:transition spd="slow">
         <p:split orient="vert"/>
       </p:transition>
@@ -17654,6 +17654,165 @@
 </file>
 
 <file path=ppt/slides/slide8.xml><?xml version="1.0" encoding="utf-8"?>
+<p:sld xmlns:a="http://schemas.openxmlformats.org/drawingml/2006/main" xmlns:r="http://schemas.openxmlformats.org/officeDocument/2006/relationships" xmlns:p="http://schemas.openxmlformats.org/presentationml/2006/main">
+  <p:cSld>
+    <p:bg>
+      <p:bgPr>
+        <a:gradFill flip="none" rotWithShape="1">
+          <a:gsLst>
+            <a:gs pos="0">
+              <a:schemeClr val="accent4">
+                <a:lumMod val="5000"/>
+                <a:lumOff val="95000"/>
+              </a:schemeClr>
+            </a:gs>
+            <a:gs pos="74000">
+              <a:schemeClr val="accent4">
+                <a:lumMod val="45000"/>
+                <a:lumOff val="55000"/>
+              </a:schemeClr>
+            </a:gs>
+            <a:gs pos="83000">
+              <a:schemeClr val="accent4">
+                <a:lumMod val="45000"/>
+                <a:lumOff val="55000"/>
+              </a:schemeClr>
+            </a:gs>
+            <a:gs pos="100000">
+              <a:schemeClr val="accent4">
+                <a:lumMod val="30000"/>
+                <a:lumOff val="70000"/>
+              </a:schemeClr>
+            </a:gs>
+          </a:gsLst>
+          <a:lin ang="5400000" scaled="1"/>
+          <a:tileRect/>
+        </a:gradFill>
+        <a:effectLst/>
+      </p:bgPr>
+    </p:bg>
+    <p:spTree>
+      <p:nvGrpSpPr>
+        <p:cNvPr id="1" name=""/>
+        <p:cNvGrpSpPr/>
+        <p:nvPr/>
+      </p:nvGrpSpPr>
+      <p:grpSpPr>
+        <a:xfrm>
+          <a:off x="0" y="0"/>
+          <a:ext cx="0" cy="0"/>
+          <a:chOff x="0" y="0"/>
+          <a:chExt cx="0" cy="0"/>
+        </a:xfrm>
+      </p:grpSpPr>
+      <p:sp>
+        <p:nvSpPr>
+          <p:cNvPr id="2" name="Title 1"/>
+          <p:cNvSpPr>
+            <a:spLocks noGrp="1"/>
+          </p:cNvSpPr>
+          <p:nvPr>
+            <p:ph type="title"/>
+          </p:nvPr>
+        </p:nvSpPr>
+        <p:spPr/>
+        <p:txBody>
+          <a:bodyPr/>
+          <a:lstStyle/>
+          <a:p>
+            <a:pPr algn="ctr"/>
+            <a:r>
+              <a:rPr lang="en-GB" u="sng" dirty="0"/>
+              <a:t>Audio Production for the game</a:t>
+            </a:r>
+          </a:p>
+        </p:txBody>
+      </p:sp>
+      <p:sp>
+        <p:nvSpPr>
+          <p:cNvPr id="3" name="Content Placeholder 2"/>
+          <p:cNvSpPr>
+            <a:spLocks noGrp="1"/>
+          </p:cNvSpPr>
+          <p:nvPr>
+            <p:ph sz="quarter" idx="13"/>
+          </p:nvPr>
+        </p:nvSpPr>
+        <p:spPr/>
+        <p:txBody>
+          <a:bodyPr/>
+          <a:lstStyle/>
+          <a:p>
+            <a:r>
+              <a:rPr lang="en-GB" dirty="0"/>
+              <a:t>All the non music audio was crated by </a:t>
+            </a:r>
+            <a:r>
+              <a:rPr lang="en-GB" dirty="0" err="1"/>
+              <a:t>K.Melville</a:t>
+            </a:r>
+            <a:r>
+              <a:rPr lang="en-GB" dirty="0"/>
+              <a:t> using Audacity</a:t>
+            </a:r>
+          </a:p>
+          <a:p>
+            <a:r>
+              <a:rPr lang="en-GB" dirty="0"/>
+              <a:t>9 audio files created for the Game</a:t>
+            </a:r>
+          </a:p>
+          <a:p>
+            <a:r>
+              <a:rPr lang="en-GB" dirty="0"/>
+              <a:t>(enter sample sound here)</a:t>
+            </a:r>
+          </a:p>
+          <a:p>
+            <a:r>
+              <a:rPr lang="en-GB" dirty="0"/>
+              <a:t>Music will all be sourced from chiptunes giving the game a nostalgic 8bit sound</a:t>
+            </a:r>
+          </a:p>
+          <a:p>
+            <a:r>
+              <a:rPr lang="en-GB" dirty="0"/>
+              <a:t>Audacity was an easy to use free </a:t>
+            </a:r>
+            <a:r>
+              <a:rPr lang="en-GB"/>
+              <a:t>software package</a:t>
+            </a:r>
+            <a:endParaRPr lang="en-GB" dirty="0"/>
+          </a:p>
+        </p:txBody>
+      </p:sp>
+    </p:spTree>
+    <p:extLst>
+      <p:ext uri="{BB962C8B-B14F-4D97-AF65-F5344CB8AC3E}">
+        <p14:creationId xmlns:p14="http://schemas.microsoft.com/office/powerpoint/2010/main" val="3194970854"/>
+      </p:ext>
+    </p:extLst>
+  </p:cSld>
+  <p:clrMapOvr>
+    <a:masterClrMapping/>
+  </p:clrMapOvr>
+  <mc:AlternateContent xmlns:mc="http://schemas.openxmlformats.org/markup-compatibility/2006" xmlns:p15="http://schemas.microsoft.com/office/powerpoint/2012/main">
+    <mc:Choice Requires="p15">
+      <p:transition xmlns:p14="http://schemas.microsoft.com/office/powerpoint/2010/main" spd="slow" p14:dur="2000">
+        <p15:prstTrans prst="crush"/>
+      </p:transition>
+    </mc:Choice>
+    <mc:Fallback xmlns="">
+      <p:transition spd="slow">
+        <p:fade/>
+      </p:transition>
+    </mc:Fallback>
+  </mc:AlternateContent>
+</p:sld>
+</file>
+
+<file path=ppt/slides/slide9.xml><?xml version="1.0" encoding="utf-8"?>
 <p:sld xmlns:a="http://schemas.openxmlformats.org/drawingml/2006/main" xmlns:r="http://schemas.openxmlformats.org/officeDocument/2006/relationships" xmlns:p="http://schemas.openxmlformats.org/presentationml/2006/main">
   <p:cSld>
     <p:bg>
@@ -19081,140 +19240,6 @@
 </p:sld>
 </file>
 
-<file path=ppt/slides/slide9.xml><?xml version="1.0" encoding="utf-8"?>
-<p:sld xmlns:a="http://schemas.openxmlformats.org/drawingml/2006/main" xmlns:r="http://schemas.openxmlformats.org/officeDocument/2006/relationships" xmlns:p="http://schemas.openxmlformats.org/presentationml/2006/main">
-  <p:cSld>
-    <p:bg>
-      <p:bgPr>
-        <a:gradFill flip="none" rotWithShape="1">
-          <a:gsLst>
-            <a:gs pos="0">
-              <a:schemeClr val="accent4">
-                <a:lumMod val="5000"/>
-                <a:lumOff val="95000"/>
-              </a:schemeClr>
-            </a:gs>
-            <a:gs pos="74000">
-              <a:schemeClr val="accent4">
-                <a:lumMod val="45000"/>
-                <a:lumOff val="55000"/>
-              </a:schemeClr>
-            </a:gs>
-            <a:gs pos="83000">
-              <a:schemeClr val="accent4">
-                <a:lumMod val="45000"/>
-                <a:lumOff val="55000"/>
-              </a:schemeClr>
-            </a:gs>
-            <a:gs pos="100000">
-              <a:schemeClr val="accent4">
-                <a:lumMod val="30000"/>
-                <a:lumOff val="70000"/>
-              </a:schemeClr>
-            </a:gs>
-          </a:gsLst>
-          <a:lin ang="5400000" scaled="1"/>
-          <a:tileRect/>
-        </a:gradFill>
-        <a:effectLst/>
-      </p:bgPr>
-    </p:bg>
-    <p:spTree>
-      <p:nvGrpSpPr>
-        <p:cNvPr id="1" name=""/>
-        <p:cNvGrpSpPr/>
-        <p:nvPr/>
-      </p:nvGrpSpPr>
-      <p:grpSpPr>
-        <a:xfrm>
-          <a:off x="0" y="0"/>
-          <a:ext cx="0" cy="0"/>
-          <a:chOff x="0" y="0"/>
-          <a:chExt cx="0" cy="0"/>
-        </a:xfrm>
-      </p:grpSpPr>
-      <p:sp>
-        <p:nvSpPr>
-          <p:cNvPr id="2" name="Title 1"/>
-          <p:cNvSpPr>
-            <a:spLocks noGrp="1"/>
-          </p:cNvSpPr>
-          <p:nvPr>
-            <p:ph type="title"/>
-          </p:nvPr>
-        </p:nvSpPr>
-        <p:spPr/>
-        <p:txBody>
-          <a:bodyPr/>
-          <a:lstStyle/>
-          <a:p>
-            <a:pPr algn="ctr"/>
-            <a:r>
-              <a:rPr lang="en-GB" u="sng" dirty="0"/>
-              <a:t>Audio Production for the game</a:t>
-            </a:r>
-          </a:p>
-        </p:txBody>
-      </p:sp>
-      <p:sp>
-        <p:nvSpPr>
-          <p:cNvPr id="3" name="Content Placeholder 2"/>
-          <p:cNvSpPr>
-            <a:spLocks noGrp="1"/>
-          </p:cNvSpPr>
-          <p:nvPr>
-            <p:ph sz="quarter" idx="13"/>
-          </p:nvPr>
-        </p:nvSpPr>
-        <p:spPr/>
-        <p:txBody>
-          <a:bodyPr/>
-          <a:lstStyle/>
-          <a:p>
-            <a:r>
-              <a:rPr lang="en-GB" dirty="0"/>
-              <a:t>[Discuss audio – how it was created (e.g. via Audacity) – multiple sounds per level? </a:t>
-            </a:r>
-          </a:p>
-          <a:p>
-            <a:r>
-              <a:rPr lang="en-GB" dirty="0"/>
-              <a:t>[Samples of the sounds]</a:t>
-            </a:r>
-          </a:p>
-          <a:p>
-            <a:r>
-              <a:rPr lang="en-GB" dirty="0"/>
-              <a:t>[Discuss ease of use of the software? – how easy to integrate with Unity?]</a:t>
-            </a:r>
-          </a:p>
-        </p:txBody>
-      </p:sp>
-    </p:spTree>
-    <p:extLst>
-      <p:ext uri="{BB962C8B-B14F-4D97-AF65-F5344CB8AC3E}">
-        <p14:creationId xmlns:p14="http://schemas.microsoft.com/office/powerpoint/2010/main" val="3194970854"/>
-      </p:ext>
-    </p:extLst>
-  </p:cSld>
-  <p:clrMapOvr>
-    <a:masterClrMapping/>
-  </p:clrMapOvr>
-  <mc:AlternateContent xmlns:mc="http://schemas.openxmlformats.org/markup-compatibility/2006" xmlns:p15="http://schemas.microsoft.com/office/powerpoint/2012/main">
-    <mc:Choice Requires="p15">
-      <p:transition xmlns:p14="http://schemas.microsoft.com/office/powerpoint/2010/main" spd="slow" p14:dur="2000">
-        <p15:prstTrans prst="crush"/>
-      </p:transition>
-    </mc:Choice>
-    <mc:Fallback xmlns="">
-      <p:transition spd="slow">
-        <p:fade/>
-      </p:transition>
-    </mc:Fallback>
-  </mc:AlternateContent>
-</p:sld>
-</file>
-
 <file path=ppt/theme/theme1.xml><?xml version="1.0" encoding="utf-8"?>
 <a:theme xmlns:a="http://schemas.openxmlformats.org/drawingml/2006/main" name="Droplet">
   <a:themeElements>
